--- a/Arabic/Scarcity one pager v0.3.pptx
+++ b/Arabic/Scarcity one pager v0.3.pptx
@@ -223,7 +223,7 @@
           <a:p>
             <a:fld id="{A26A9518-A6F0-41B7-BAA2-12C228E5F127}" type="datetimeFigureOut">
               <a:rPr lang="en-US" smtClean="0"/>
-              <a:t>4/5/21</a:t>
+              <a:t>4/4/2021</a:t>
             </a:fld>
             <a:endParaRPr lang="en-US" dirty="0"/>
           </a:p>
